--- a/Pima Indians Diabetes Presentation.pptx
+++ b/Pima Indians Diabetes Presentation.pptx
@@ -10777,7 +10777,7 @@
         <p:spPr>
           <a:xfrm rot="0">
             <a:off x="11638871" y="4671695"/>
-            <a:ext cx="5620429" cy="471805"/>
+            <a:ext cx="5620429" cy="2453005"/>
           </a:xfrm>
           <a:prstGeom prst="rect">
             <a:avLst/>
@@ -10801,7 +10801,39 @@
                 </a:solidFill>
                 <a:latin typeface="Montserrat"/>
               </a:rPr>
-              <a:t>Pima Indians Diabetes Dataset</a:t>
+              <a:t>References:</a:t>
+            </a:r>
+          </a:p>
+          <a:p>
+            <a:pPr algn="r">
+              <a:lnSpc>
+                <a:spcPts val="3919"/>
+              </a:lnSpc>
+            </a:pPr>
+            <a:r>
+              <a:rPr lang="en-US" sz="2799">
+                <a:solidFill>
+                  <a:srgbClr val="15171A"/>
+                </a:solidFill>
+                <a:latin typeface="Montserrat"/>
+              </a:rPr>
+              <a:t>Pima Indians Diabetes Dataset:</a:t>
+            </a:r>
+          </a:p>
+          <a:p>
+            <a:pPr algn="r">
+              <a:lnSpc>
+                <a:spcPts val="3919"/>
+              </a:lnSpc>
+            </a:pPr>
+            <a:r>
+              <a:rPr lang="en-US" sz="2799">
+                <a:solidFill>
+                  <a:srgbClr val="15171A"/>
+                </a:solidFill>
+                <a:latin typeface="Montserrat"/>
+              </a:rPr>
+              <a:t>https://www.kaggle.com/datasets/uciml/pima-indians-diabetes-database</a:t>
             </a:r>
           </a:p>
         </p:txBody>
